--- a/춘식이 발표자료2.pptx
+++ b/춘식이 발표자료2.pptx
@@ -3831,7 +3831,7 @@
                 <a:latin typeface="+mn-ea"/>
                 <a:ea typeface="+mn-ea"/>
               </a:rPr>
-              <a:t>그러나 시간 관계상 클래스 불균형 문제를 생각하지 못했습니다</a:t>
+              <a:t>그러나 시간이 부족하여 이 이슈를 해결하지 못한 채 모델 학습을 진행했습니다</a:t>
             </a:r>
             <a:r>
               <a:rPr lang="en-US" altLang="ko-KR" sz="2100" spc="-150" dirty="0">
@@ -3840,17 +3840,6 @@
               </a:rPr>
               <a:t>.</a:t>
             </a:r>
-            <a:r>
-              <a:rPr lang="ko-KR" altLang="en-US" sz="2100" spc="-150" dirty="0">
-                <a:latin typeface="+mn-ea"/>
-                <a:ea typeface="+mn-ea"/>
-              </a:rPr>
-              <a:t> </a:t>
-            </a:r>
-            <a:endParaRPr lang="en-US" altLang="ko-KR" sz="2100" spc="-150" dirty="0">
-              <a:latin typeface="+mn-ea"/>
-              <a:ea typeface="+mn-ea"/>
-            </a:endParaRPr>
           </a:p>
         </p:txBody>
       </p:sp>
@@ -7690,8 +7679,8 @@
         </p:nvSpPr>
         <p:spPr>
           <a:xfrm>
-            <a:off x="356461" y="1611524"/>
-            <a:ext cx="11393019" cy="2003551"/>
+            <a:off x="435973" y="1611524"/>
+            <a:ext cx="7584905" cy="2003551"/>
           </a:xfrm>
           <a:prstGeom prst="rect">
             <a:avLst/>
@@ -7728,14 +7717,14 @@
               <a:defRPr/>
             </a:pPr>
             <a:r>
-              <a:rPr lang="ko-KR" altLang="en-US" sz="1500" spc="-150" dirty="0">
+              <a:rPr lang="ko-KR" altLang="en-US" sz="1900" spc="-150" dirty="0">
                 <a:latin typeface="+mn-ea"/>
                 <a:ea typeface="+mn-ea"/>
               </a:rPr>
               <a:t>처음보단 많이 좋아졌지만 아직 여백이 있는 걸 확인할 수 있습니다</a:t>
             </a:r>
             <a:r>
-              <a:rPr lang="en-US" altLang="ko-KR" sz="1500" spc="-150" dirty="0">
+              <a:rPr lang="en-US" altLang="ko-KR" sz="1900" spc="-150" dirty="0">
                 <a:latin typeface="+mn-ea"/>
                 <a:ea typeface="+mn-ea"/>
               </a:rPr>
@@ -7749,7 +7738,7 @@
               </a:lnSpc>
               <a:defRPr/>
             </a:pPr>
-            <a:endParaRPr lang="en-US" altLang="ko-KR" sz="1500" spc="-150" dirty="0">
+            <a:endParaRPr lang="en-US" altLang="ko-KR" sz="1900" spc="-150" dirty="0">
               <a:latin typeface="+mn-ea"/>
               <a:ea typeface="+mn-ea"/>
             </a:endParaRPr>
@@ -7762,27 +7751,27 @@
               <a:defRPr/>
             </a:pPr>
             <a:r>
-              <a:rPr lang="ko-KR" altLang="en-US" sz="1500" spc="-150" dirty="0">
+              <a:rPr lang="ko-KR" altLang="en-US" sz="1900" spc="-150" dirty="0">
                 <a:latin typeface="+mn-ea"/>
                 <a:ea typeface="+mn-ea"/>
               </a:rPr>
               <a:t>노이즈의 형태를 보니 소금 </a:t>
             </a:r>
             <a:r>
-              <a:rPr lang="en-US" altLang="ko-KR" sz="1500" spc="-150" dirty="0">
+              <a:rPr lang="en-US" altLang="ko-KR" sz="1900" spc="-150" dirty="0">
                 <a:latin typeface="+mn-ea"/>
                 <a:ea typeface="+mn-ea"/>
               </a:rPr>
               <a:t>&amp;</a:t>
             </a:r>
             <a:r>
-              <a:rPr lang="ko-KR" altLang="en-US" sz="1500" spc="-150" dirty="0">
+              <a:rPr lang="ko-KR" altLang="en-US" sz="1900" spc="-150" dirty="0">
                 <a:latin typeface="+mn-ea"/>
                 <a:ea typeface="+mn-ea"/>
               </a:rPr>
               <a:t> 후추 노이즈와 비슷하여</a:t>
             </a:r>
-            <a:endParaRPr lang="en-US" altLang="ko-KR" sz="1500" spc="-150" dirty="0">
+            <a:endParaRPr lang="en-US" altLang="ko-KR" sz="1900" spc="-150" dirty="0">
               <a:latin typeface="+mn-ea"/>
               <a:ea typeface="+mn-ea"/>
             </a:endParaRPr>
@@ -7795,35 +7784,35 @@
               <a:defRPr/>
             </a:pPr>
             <a:r>
-              <a:rPr lang="en-US" altLang="ko-KR" sz="1500" spc="-150" dirty="0">
+              <a:rPr lang="en-US" altLang="ko-KR" sz="1900" spc="-150" dirty="0">
                 <a:latin typeface="+mn-ea"/>
                 <a:ea typeface="+mn-ea"/>
               </a:rPr>
               <a:t>Median Blur </a:t>
             </a:r>
             <a:r>
-              <a:rPr lang="ko-KR" altLang="en-US" sz="1500" spc="-150" dirty="0">
+              <a:rPr lang="ko-KR" altLang="en-US" sz="1900" spc="-150" dirty="0">
                 <a:latin typeface="+mn-ea"/>
                 <a:ea typeface="+mn-ea"/>
               </a:rPr>
               <a:t>함수를 사용하여 </a:t>
             </a:r>
             <a:r>
-              <a:rPr lang="en-US" altLang="ko-KR" sz="1500" spc="-150" dirty="0">
+              <a:rPr lang="en-US" altLang="ko-KR" sz="1900" spc="-150" dirty="0">
                 <a:latin typeface="+mn-ea"/>
                 <a:ea typeface="+mn-ea"/>
               </a:rPr>
               <a:t>Blur</a:t>
             </a:r>
             <a:r>
-              <a:rPr lang="ko-KR" altLang="en-US" sz="1500" spc="-150" dirty="0">
+              <a:rPr lang="ko-KR" altLang="en-US" sz="1900" spc="-150" dirty="0">
                 <a:latin typeface="+mn-ea"/>
                 <a:ea typeface="+mn-ea"/>
               </a:rPr>
               <a:t> 처리를 하게 하였습니다</a:t>
             </a:r>
             <a:r>
-              <a:rPr lang="en-US" altLang="ko-KR" sz="1500" spc="-150" dirty="0">
+              <a:rPr lang="en-US" altLang="ko-KR" sz="1900" spc="-150" dirty="0">
                 <a:latin typeface="+mn-ea"/>
                 <a:ea typeface="+mn-ea"/>
               </a:rPr>
@@ -7837,7 +7826,7 @@
               </a:lnSpc>
               <a:defRPr/>
             </a:pPr>
-            <a:endParaRPr lang="en-US" altLang="ko-KR" sz="1500" spc="-150" dirty="0">
+            <a:endParaRPr lang="en-US" altLang="ko-KR" sz="1900" spc="-150" dirty="0">
               <a:latin typeface="+mn-ea"/>
               <a:ea typeface="+mn-ea"/>
             </a:endParaRPr>
@@ -7850,132 +7839,55 @@
               <a:defRPr/>
             </a:pPr>
             <a:r>
-              <a:rPr lang="ko-KR" altLang="en-US" sz="1500" spc="-150" dirty="0">
+              <a:rPr lang="ko-KR" altLang="en-US" sz="1900" spc="-150" dirty="0">
                 <a:latin typeface="+mn-ea"/>
                 <a:ea typeface="+mn-ea"/>
               </a:rPr>
               <a:t>결과를 보니</a:t>
             </a:r>
             <a:r>
-              <a:rPr lang="en-US" altLang="ko-KR" sz="1500" spc="-150" dirty="0">
+              <a:rPr lang="en-US" altLang="ko-KR" sz="1900" spc="-150" dirty="0">
                 <a:latin typeface="+mn-ea"/>
                 <a:ea typeface="+mn-ea"/>
               </a:rPr>
               <a:t>,</a:t>
             </a:r>
             <a:r>
-              <a:rPr lang="ko-KR" altLang="en-US" sz="1500" spc="-150" dirty="0">
+              <a:rPr lang="ko-KR" altLang="en-US" sz="1900" spc="-150" dirty="0">
                 <a:latin typeface="+mn-ea"/>
                 <a:ea typeface="+mn-ea"/>
               </a:rPr>
               <a:t> 옷만 </a:t>
             </a:r>
             <a:r>
-              <a:rPr lang="en-US" altLang="ko-KR" sz="1500" spc="-150" dirty="0">
+              <a:rPr lang="en-US" altLang="ko-KR" sz="1900" spc="-150" dirty="0">
                 <a:latin typeface="+mn-ea"/>
                 <a:ea typeface="+mn-ea"/>
               </a:rPr>
               <a:t>Crop </a:t>
             </a:r>
             <a:r>
-              <a:rPr lang="ko-KR" altLang="en-US" sz="1500" spc="-150" dirty="0">
+              <a:rPr lang="ko-KR" altLang="en-US" sz="1900" spc="-150" dirty="0">
                 <a:latin typeface="+mn-ea"/>
                 <a:ea typeface="+mn-ea"/>
               </a:rPr>
               <a:t>된 것을 확인할 수 있습니다</a:t>
             </a:r>
             <a:r>
-              <a:rPr lang="en-US" altLang="ko-KR" sz="1500" spc="-150" dirty="0">
+              <a:rPr lang="en-US" altLang="ko-KR" sz="1900" spc="-150" dirty="0">
                 <a:latin typeface="+mn-ea"/>
                 <a:ea typeface="+mn-ea"/>
               </a:rPr>
               <a:t>.</a:t>
             </a:r>
-          </a:p>
-          <a:p>
-            <a:pPr>
-              <a:lnSpc>
-                <a:spcPct val="120000"/>
-              </a:lnSpc>
-              <a:defRPr/>
-            </a:pPr>
-            <a:endParaRPr lang="en-US" altLang="ko-KR" sz="1500" spc="-150" dirty="0">
-              <a:latin typeface="+mn-ea"/>
-              <a:ea typeface="+mn-ea"/>
-            </a:endParaRPr>
-          </a:p>
-          <a:p>
-            <a:pPr>
-              <a:lnSpc>
-                <a:spcPct val="120000"/>
-              </a:lnSpc>
-              <a:defRPr/>
-            </a:pPr>
-            <a:r>
-              <a:rPr lang="ko-KR" altLang="en-US" sz="1500" spc="-150" dirty="0">
+            <a:r>
+              <a:rPr lang="ko-KR" altLang="en-US" sz="1900" spc="-150" dirty="0">
                 <a:latin typeface="+mn-ea"/>
                 <a:ea typeface="+mn-ea"/>
               </a:rPr>
               <a:t> </a:t>
             </a:r>
-            <a:endParaRPr lang="en-US" altLang="ko-KR" sz="1500" spc="-150" dirty="0">
-              <a:latin typeface="+mn-ea"/>
-              <a:ea typeface="+mn-ea"/>
-            </a:endParaRPr>
-          </a:p>
-        </p:txBody>
-      </p:sp>
-      <p:sp>
-        <p:nvSpPr>
-          <p:cNvPr id="9" name="제목 38">
-            <a:extLst>
-              <a:ext uri="{FF2B5EF4-FFF2-40B4-BE49-F238E27FC236}">
-                <a16:creationId xmlns:a16="http://schemas.microsoft.com/office/drawing/2014/main" id="{17C34476-D9F6-9005-524F-E315A8266863}"/>
-              </a:ext>
-            </a:extLst>
-          </p:cNvPr>
-          <p:cNvSpPr txBox="1">
-            <a:spLocks/>
-          </p:cNvSpPr>
-          <p:nvPr/>
-        </p:nvSpPr>
-        <p:spPr>
-          <a:xfrm>
-            <a:off x="560352" y="4351178"/>
-            <a:ext cx="1410215" cy="445258"/>
-          </a:xfrm>
-          <a:prstGeom prst="rect">
-            <a:avLst/>
-          </a:prstGeom>
-        </p:spPr>
-        <p:txBody>
-          <a:bodyPr vert="horz" lIns="112542" tIns="56271" rIns="112542" bIns="56271" rtlCol="0" anchor="t">
-            <a:noAutofit/>
-          </a:bodyPr>
-          <a:lstStyle>
-            <a:lvl1pPr algn="l" defTabSz="914400" rtl="0" eaLnBrk="1" latinLnBrk="1" hangingPunct="1">
-              <a:lnSpc>
-                <a:spcPct val="90000"/>
-              </a:lnSpc>
-              <a:spcBef>
-                <a:spcPct val="0"/>
-              </a:spcBef>
-              <a:buNone/>
-              <a:defRPr sz="4400" kern="1200">
-                <a:solidFill>
-                  <a:schemeClr val="tx1"/>
-                </a:solidFill>
-                <a:latin typeface="+mj-lt"/>
-                <a:ea typeface="+mj-ea"/>
-                <a:cs typeface="+mj-cs"/>
-              </a:defRPr>
-            </a:lvl1pPr>
-          </a:lstStyle>
-          <a:p>
-            <a:pPr>
-              <a:defRPr/>
-            </a:pPr>
-            <a:endParaRPr lang="en-US" altLang="ko-KR" sz="2100" spc="-185" dirty="0">
+            <a:endParaRPr lang="en-US" altLang="ko-KR" sz="1900" spc="-150" dirty="0">
               <a:latin typeface="+mn-ea"/>
               <a:ea typeface="+mn-ea"/>
             </a:endParaRPr>
@@ -8009,7 +7921,7 @@
         </p:blipFill>
         <p:spPr>
           <a:xfrm>
-            <a:off x="750951" y="3739797"/>
+            <a:off x="671439" y="4097602"/>
             <a:ext cx="2093165" cy="1918282"/>
           </a:xfrm>
           <a:prstGeom prst="rect">
@@ -8031,7 +7943,7 @@
         </p:nvSpPr>
         <p:spPr>
           <a:xfrm>
-            <a:off x="1092425" y="5765081"/>
+            <a:off x="1012913" y="6122886"/>
             <a:ext cx="1410215" cy="323165"/>
           </a:xfrm>
           <a:prstGeom prst="rect">
@@ -8091,7 +8003,7 @@
         </p:blipFill>
         <p:spPr>
           <a:xfrm>
-            <a:off x="3551951" y="3739798"/>
+            <a:off x="3472439" y="4097603"/>
             <a:ext cx="2034159" cy="1918282"/>
           </a:xfrm>
           <a:prstGeom prst="rect">
@@ -8113,7 +8025,7 @@
         </p:nvSpPr>
         <p:spPr>
           <a:xfrm>
-            <a:off x="3856891" y="5765081"/>
+            <a:off x="3777379" y="6122886"/>
             <a:ext cx="1410215" cy="323165"/>
           </a:xfrm>
           <a:prstGeom prst="rect">
@@ -8174,7 +8086,7 @@
         </p:blipFill>
         <p:spPr>
           <a:xfrm>
-            <a:off x="9044399" y="1611524"/>
+            <a:off x="8567320" y="1611524"/>
             <a:ext cx="2364027" cy="4202716"/>
           </a:xfrm>
           <a:prstGeom prst="rect">
@@ -8201,7 +8113,7 @@
         </p:nvSpPr>
         <p:spPr>
           <a:xfrm>
-            <a:off x="9521304" y="5830108"/>
+            <a:off x="9044225" y="5830108"/>
             <a:ext cx="1410215" cy="323165"/>
           </a:xfrm>
           <a:prstGeom prst="rect">
@@ -8336,8 +8248,8 @@
         </p:nvSpPr>
         <p:spPr>
           <a:xfrm>
-            <a:off x="5294983" y="1712863"/>
-            <a:ext cx="6704064" cy="4193777"/>
+            <a:off x="5026626" y="1712863"/>
+            <a:ext cx="6704064" cy="4421595"/>
           </a:xfrm>
           <a:prstGeom prst="rect">
             <a:avLst/>
@@ -8357,43 +8269,43 @@
               <a:defRPr/>
             </a:pPr>
             <a:r>
-              <a:rPr lang="en-US" altLang="ko-KR" sz="1800" spc="-150" dirty="0">
+              <a:rPr lang="en-US" altLang="ko-KR" sz="1900" spc="-150" dirty="0">
                 <a:latin typeface="+mn-ea"/>
               </a:rPr>
               <a:t>1.</a:t>
             </a:r>
             <a:r>
-              <a:rPr lang="ko-KR" altLang="en-US" sz="1800" spc="-150" dirty="0">
+              <a:rPr lang="ko-KR" altLang="en-US" sz="1900" spc="-150" dirty="0">
                 <a:latin typeface="+mn-ea"/>
               </a:rPr>
               <a:t> 이미지의 위</a:t>
             </a:r>
             <a:r>
-              <a:rPr lang="en-US" altLang="ko-KR" sz="1800" spc="-150" dirty="0">
+              <a:rPr lang="en-US" altLang="ko-KR" sz="1900" spc="-150" dirty="0">
                 <a:latin typeface="+mn-ea"/>
               </a:rPr>
               <a:t>,</a:t>
             </a:r>
             <a:r>
-              <a:rPr lang="ko-KR" altLang="en-US" sz="1800" spc="-150" dirty="0">
+              <a:rPr lang="ko-KR" altLang="en-US" sz="1900" spc="-150" dirty="0">
                 <a:latin typeface="+mn-ea"/>
               </a:rPr>
               <a:t> 아래</a:t>
             </a:r>
             <a:r>
-              <a:rPr lang="en-US" altLang="ko-KR" sz="1800" spc="-150" dirty="0">
+              <a:rPr lang="en-US" altLang="ko-KR" sz="1900" spc="-150" dirty="0">
                 <a:latin typeface="+mn-ea"/>
               </a:rPr>
               <a:t>,</a:t>
             </a:r>
             <a:r>
-              <a:rPr lang="ko-KR" altLang="en-US" sz="1800" spc="-150" dirty="0">
+              <a:rPr lang="ko-KR" altLang="en-US" sz="1900" spc="-150" dirty="0">
                 <a:latin typeface="+mn-ea"/>
               </a:rPr>
               <a:t> 양 옆을 강제로 제거한다</a:t>
             </a:r>
             <a:r>
-              <a:rPr lang="en-US" altLang="ko-KR" sz="1800" spc="-150" dirty="0">
+              <a:rPr lang="en-US" altLang="ko-KR" sz="1900" spc="-150" dirty="0">
                 <a:latin typeface="+mn-ea"/>
               </a:rPr>
               <a:t>.</a:t>
@@ -8407,54 +8319,54 @@
               <a:defRPr/>
             </a:pPr>
             <a:r>
-              <a:rPr lang="en-US" altLang="ko-KR" sz="1800" spc="-150" dirty="0">
+              <a:rPr lang="en-US" altLang="ko-KR" sz="1900" spc="-150" dirty="0">
                 <a:latin typeface="+mn-ea"/>
               </a:rPr>
               <a:t>2.</a:t>
             </a:r>
             <a:r>
-              <a:rPr lang="ko-KR" altLang="en-US" sz="1800" spc="-150" dirty="0">
+              <a:rPr lang="ko-KR" altLang="en-US" sz="1900" spc="-150" dirty="0">
                 <a:latin typeface="+mn-ea"/>
               </a:rPr>
               <a:t> 이미지의 해상도를 낮추고</a:t>
             </a:r>
             <a:r>
-              <a:rPr lang="en-US" altLang="ko-KR" sz="1800" spc="-150" dirty="0">
+              <a:rPr lang="en-US" altLang="ko-KR" sz="1900" spc="-150" dirty="0">
                 <a:latin typeface="+mn-ea"/>
               </a:rPr>
               <a:t>,</a:t>
             </a:r>
             <a:r>
-              <a:rPr lang="ko-KR" altLang="en-US" sz="1800" spc="-150" dirty="0">
+              <a:rPr lang="ko-KR" altLang="en-US" sz="1900" spc="-150" dirty="0">
                 <a:latin typeface="+mn-ea"/>
               </a:rPr>
               <a:t> </a:t>
             </a:r>
             <a:r>
-              <a:rPr lang="en-US" altLang="ko-KR" sz="1800" spc="-150" dirty="0">
+              <a:rPr lang="en-US" altLang="ko-KR" sz="1900" spc="-150" dirty="0">
                 <a:latin typeface="+mn-ea"/>
               </a:rPr>
               <a:t>Gray Scale</a:t>
             </a:r>
             <a:r>
-              <a:rPr lang="ko-KR" altLang="en-US" sz="1800" spc="-150" dirty="0">
+              <a:rPr lang="ko-KR" altLang="en-US" sz="1900" spc="-150" dirty="0">
                 <a:latin typeface="+mn-ea"/>
               </a:rPr>
               <a:t>로 전환한다</a:t>
             </a:r>
             <a:r>
-              <a:rPr lang="en-US" altLang="ko-KR" sz="1800" spc="-150" dirty="0">
+              <a:rPr lang="en-US" altLang="ko-KR" sz="1900" spc="-150" dirty="0">
                 <a:latin typeface="+mn-ea"/>
               </a:rPr>
               <a:t>.</a:t>
             </a:r>
             <a:r>
-              <a:rPr lang="ko-KR" altLang="en-US" sz="1800" spc="-150" dirty="0">
+              <a:rPr lang="ko-KR" altLang="en-US" sz="1900" spc="-150" dirty="0">
                 <a:latin typeface="+mn-ea"/>
               </a:rPr>
               <a:t> </a:t>
             </a:r>
-            <a:endParaRPr lang="en-US" altLang="ko-KR" sz="1800" spc="-150" dirty="0">
+            <a:endParaRPr lang="en-US" altLang="ko-KR" sz="1900" spc="-150" dirty="0">
               <a:latin typeface="+mn-ea"/>
             </a:endParaRPr>
           </a:p>
@@ -8466,43 +8378,43 @@
               <a:defRPr/>
             </a:pPr>
             <a:r>
-              <a:rPr lang="en-US" altLang="ko-KR" sz="1800" spc="-150" dirty="0">
+              <a:rPr lang="en-US" altLang="ko-KR" sz="1900" spc="-150" dirty="0">
                 <a:latin typeface="+mn-ea"/>
               </a:rPr>
               <a:t>3.</a:t>
             </a:r>
             <a:r>
-              <a:rPr lang="ko-KR" altLang="en-US" sz="1800" spc="-150" dirty="0">
+              <a:rPr lang="ko-KR" altLang="en-US" sz="1900" spc="-150" dirty="0">
                 <a:latin typeface="+mn-ea"/>
               </a:rPr>
               <a:t> </a:t>
             </a:r>
             <a:r>
-              <a:rPr lang="en-US" altLang="ko-KR" sz="1800" spc="-150" dirty="0">
+              <a:rPr lang="en-US" altLang="ko-KR" sz="1900" spc="-150" dirty="0">
                 <a:latin typeface="+mn-ea"/>
               </a:rPr>
               <a:t>Adaptive</a:t>
             </a:r>
             <a:r>
-              <a:rPr lang="ko-KR" altLang="en-US" sz="1800" spc="-150" dirty="0">
+              <a:rPr lang="ko-KR" altLang="en-US" sz="1900" spc="-150" dirty="0">
                 <a:latin typeface="+mn-ea"/>
               </a:rPr>
               <a:t> </a:t>
             </a:r>
             <a:r>
-              <a:rPr lang="en-US" altLang="ko-KR" sz="1800" spc="-150" dirty="0">
+              <a:rPr lang="en-US" altLang="ko-KR" sz="1900" spc="-150" dirty="0">
                 <a:latin typeface="+mn-ea"/>
               </a:rPr>
               <a:t>Threshold</a:t>
             </a:r>
             <a:r>
-              <a:rPr lang="ko-KR" altLang="en-US" sz="1800" spc="-150" dirty="0">
+              <a:rPr lang="ko-KR" altLang="en-US" sz="1900" spc="-150" dirty="0">
                 <a:latin typeface="+mn-ea"/>
               </a:rPr>
               <a:t> 함수를 이용해 이미지 이진화를 한다</a:t>
             </a:r>
             <a:r>
-              <a:rPr lang="en-US" altLang="ko-KR" sz="1800" spc="-150" dirty="0">
+              <a:rPr lang="en-US" altLang="ko-KR" sz="1900" spc="-150" dirty="0">
                 <a:latin typeface="+mn-ea"/>
               </a:rPr>
               <a:t>.</a:t>
@@ -8516,43 +8428,43 @@
               <a:defRPr/>
             </a:pPr>
             <a:r>
-              <a:rPr lang="en-US" altLang="ko-KR" sz="1800" spc="-150" dirty="0">
+              <a:rPr lang="en-US" altLang="ko-KR" sz="1900" spc="-150" dirty="0">
                 <a:latin typeface="+mn-ea"/>
               </a:rPr>
               <a:t>4.</a:t>
             </a:r>
             <a:r>
-              <a:rPr lang="ko-KR" altLang="en-US" sz="1800" spc="-150" dirty="0">
+              <a:rPr lang="ko-KR" altLang="en-US" sz="1900" spc="-150" dirty="0">
                 <a:latin typeface="+mn-ea"/>
               </a:rPr>
               <a:t> 노이즈를 낮추기 위해 </a:t>
             </a:r>
             <a:r>
-              <a:rPr lang="en-US" altLang="ko-KR" sz="1800" spc="-150" dirty="0">
+              <a:rPr lang="en-US" altLang="ko-KR" sz="1900" spc="-150" dirty="0">
                 <a:latin typeface="+mn-ea"/>
               </a:rPr>
               <a:t>1</a:t>
             </a:r>
             <a:r>
-              <a:rPr lang="ko-KR" altLang="en-US" sz="1800" spc="-150" dirty="0">
+              <a:rPr lang="ko-KR" altLang="en-US" sz="1900" spc="-150" dirty="0">
                 <a:latin typeface="+mn-ea"/>
               </a:rPr>
               <a:t>차적으로 </a:t>
             </a:r>
             <a:r>
-              <a:rPr lang="en-US" altLang="ko-KR" sz="1800" spc="-150" dirty="0">
+              <a:rPr lang="en-US" altLang="ko-KR" sz="1900" spc="-150" dirty="0">
                 <a:latin typeface="+mn-ea"/>
               </a:rPr>
               <a:t>Blur</a:t>
             </a:r>
             <a:r>
-              <a:rPr lang="ko-KR" altLang="en-US" sz="1800" spc="-150" dirty="0">
+              <a:rPr lang="ko-KR" altLang="en-US" sz="1900" spc="-150" dirty="0">
                 <a:latin typeface="+mn-ea"/>
               </a:rPr>
               <a:t> 처리를 한다</a:t>
             </a:r>
             <a:r>
-              <a:rPr lang="en-US" altLang="ko-KR" sz="1800" spc="-150" dirty="0">
+              <a:rPr lang="en-US" altLang="ko-KR" sz="1900" spc="-150" dirty="0">
                 <a:latin typeface="+mn-ea"/>
               </a:rPr>
               <a:t>.</a:t>
@@ -8566,42 +8478,42 @@
               <a:defRPr/>
             </a:pPr>
             <a:r>
-              <a:rPr lang="en-US" altLang="ko-KR" sz="1800" spc="-150" dirty="0">
+              <a:rPr lang="en-US" altLang="ko-KR" sz="1900" spc="-150" dirty="0">
                 <a:latin typeface="+mn-ea"/>
               </a:rPr>
               <a:t>5.</a:t>
             </a:r>
             <a:r>
-              <a:rPr lang="ko-KR" altLang="en-US" sz="1800" spc="-150" dirty="0">
+              <a:rPr lang="ko-KR" altLang="en-US" sz="1900" spc="-150" dirty="0">
                 <a:latin typeface="+mn-ea"/>
               </a:rPr>
               <a:t> </a:t>
             </a:r>
             <a:r>
-              <a:rPr lang="en-US" altLang="ko-KR" sz="1800" spc="-150" dirty="0">
+              <a:rPr lang="en-US" altLang="ko-KR" sz="1900" spc="-150" dirty="0">
                 <a:latin typeface="+mn-ea"/>
               </a:rPr>
               <a:t>2</a:t>
             </a:r>
             <a:r>
-              <a:rPr lang="ko-KR" altLang="en-US" sz="1800" spc="-150" dirty="0">
+              <a:rPr lang="ko-KR" altLang="en-US" sz="1900" spc="-150" dirty="0">
                 <a:latin typeface="+mn-ea"/>
               </a:rPr>
               <a:t>차적으로 커널을 생성하여 </a:t>
             </a:r>
             <a:r>
-              <a:rPr lang="en-US" altLang="ko-KR" sz="1800" spc="-150" dirty="0">
+              <a:rPr lang="en-US" altLang="ko-KR" sz="1900" spc="-150" dirty="0">
                 <a:latin typeface="+mn-ea"/>
               </a:rPr>
               <a:t>Morphology </a:t>
             </a:r>
             <a:r>
-              <a:rPr lang="ko-KR" altLang="en-US" sz="1800" spc="-150" dirty="0">
+              <a:rPr lang="ko-KR" altLang="en-US" sz="1900" spc="-150" dirty="0">
                 <a:latin typeface="+mn-ea"/>
               </a:rPr>
               <a:t>연산 중 </a:t>
             </a:r>
-            <a:endParaRPr lang="en-US" altLang="ko-KR" sz="1800" spc="-150" dirty="0">
+            <a:endParaRPr lang="en-US" altLang="ko-KR" sz="1900" spc="-150" dirty="0">
               <a:latin typeface="+mn-ea"/>
             </a:endParaRPr>
           </a:p>
@@ -8613,31 +8525,31 @@
               <a:defRPr/>
             </a:pPr>
             <a:r>
-              <a:rPr lang="en-US" altLang="ko-KR" sz="1800" spc="-150" dirty="0">
+              <a:rPr lang="en-US" altLang="ko-KR" sz="1900" spc="-150" dirty="0">
                 <a:latin typeface="+mn-ea"/>
               </a:rPr>
               <a:t>closing </a:t>
             </a:r>
             <a:r>
-              <a:rPr lang="ko-KR" altLang="en-US" sz="1800" spc="-150" dirty="0">
+              <a:rPr lang="ko-KR" altLang="en-US" sz="1900" spc="-150" dirty="0">
                 <a:latin typeface="+mn-ea"/>
               </a:rPr>
               <a:t>연산과 </a:t>
             </a:r>
             <a:r>
-              <a:rPr lang="en-US" altLang="ko-KR" sz="1800" spc="-150" dirty="0">
+              <a:rPr lang="en-US" altLang="ko-KR" sz="1900" spc="-150" dirty="0">
                 <a:latin typeface="+mn-ea"/>
               </a:rPr>
               <a:t>gradient </a:t>
             </a:r>
             <a:r>
-              <a:rPr lang="ko-KR" altLang="en-US" sz="1800" spc="-150" dirty="0">
+              <a:rPr lang="ko-KR" altLang="en-US" sz="1900" spc="-150" dirty="0">
                 <a:latin typeface="+mn-ea"/>
               </a:rPr>
               <a:t>연산을 거친다</a:t>
             </a:r>
             <a:r>
-              <a:rPr lang="en-US" altLang="ko-KR" sz="1800" spc="-150" dirty="0">
+              <a:rPr lang="en-US" altLang="ko-KR" sz="1900" spc="-150" dirty="0">
                 <a:latin typeface="+mn-ea"/>
               </a:rPr>
               <a:t>.</a:t>
@@ -8651,42 +8563,42 @@
               <a:defRPr/>
             </a:pPr>
             <a:r>
-              <a:rPr lang="en-US" altLang="ko-KR" sz="1800" spc="-150" dirty="0">
+              <a:rPr lang="en-US" altLang="ko-KR" sz="1900" spc="-150" dirty="0">
                 <a:latin typeface="+mn-ea"/>
               </a:rPr>
               <a:t>6.</a:t>
             </a:r>
             <a:r>
-              <a:rPr lang="ko-KR" altLang="en-US" sz="1800" spc="-150" dirty="0">
+              <a:rPr lang="ko-KR" altLang="en-US" sz="1900" spc="-150" dirty="0">
                 <a:latin typeface="+mn-ea"/>
               </a:rPr>
               <a:t> </a:t>
             </a:r>
             <a:r>
-              <a:rPr lang="en-US" altLang="ko-KR" sz="1800" spc="-150" dirty="0">
+              <a:rPr lang="en-US" altLang="ko-KR" sz="1900" spc="-150" dirty="0">
                 <a:latin typeface="+mn-ea"/>
               </a:rPr>
               <a:t>Find</a:t>
             </a:r>
             <a:r>
-              <a:rPr lang="ko-KR" altLang="en-US" sz="1800" spc="-150" dirty="0">
+              <a:rPr lang="ko-KR" altLang="en-US" sz="1900" spc="-150" dirty="0">
                 <a:latin typeface="+mn-ea"/>
               </a:rPr>
               <a:t> </a:t>
             </a:r>
             <a:r>
-              <a:rPr lang="en-US" altLang="ko-KR" sz="1800" spc="-150" dirty="0">
+              <a:rPr lang="en-US" altLang="ko-KR" sz="1900" spc="-150" dirty="0">
                 <a:latin typeface="+mn-ea"/>
               </a:rPr>
               <a:t>Contours</a:t>
             </a:r>
             <a:r>
-              <a:rPr lang="ko-KR" altLang="en-US" sz="1800" spc="-150" dirty="0">
+              <a:rPr lang="ko-KR" altLang="en-US" sz="1900" spc="-150" dirty="0">
                 <a:latin typeface="+mn-ea"/>
               </a:rPr>
               <a:t> 함수를 이용해 경계 값을 도출한 후 </a:t>
             </a:r>
-            <a:endParaRPr lang="en-US" altLang="ko-KR" sz="1800" spc="-150" dirty="0">
+            <a:endParaRPr lang="en-US" altLang="ko-KR" sz="1900" spc="-150" dirty="0">
               <a:latin typeface="+mn-ea"/>
             </a:endParaRPr>
           </a:p>
@@ -8698,25 +8610,25 @@
               <a:defRPr/>
             </a:pPr>
             <a:r>
-              <a:rPr lang="ko-KR" altLang="en-US" sz="1800" spc="-150" dirty="0">
+              <a:rPr lang="ko-KR" altLang="en-US" sz="1900" spc="-150" dirty="0">
                 <a:latin typeface="+mn-ea"/>
               </a:rPr>
               <a:t>그 경계 값으로 사각형을 생성해 이미지 </a:t>
             </a:r>
             <a:r>
-              <a:rPr lang="en-US" altLang="ko-KR" sz="1800" spc="-150" dirty="0">
+              <a:rPr lang="en-US" altLang="ko-KR" sz="1900" spc="-150" dirty="0">
                 <a:latin typeface="+mn-ea"/>
               </a:rPr>
               <a:t>trimming </a:t>
             </a:r>
             <a:r>
-              <a:rPr lang="ko-KR" altLang="en-US" sz="1800" spc="-150" dirty="0">
+              <a:rPr lang="ko-KR" altLang="en-US" sz="1900" spc="-150" dirty="0">
                 <a:latin typeface="+mn-ea"/>
               </a:rPr>
               <a:t>좌표를 생성한다</a:t>
             </a:r>
             <a:r>
-              <a:rPr lang="en-US" altLang="ko-KR" sz="1800" spc="-150" dirty="0">
+              <a:rPr lang="en-US" altLang="ko-KR" sz="1900" spc="-150" dirty="0">
                 <a:latin typeface="+mn-ea"/>
               </a:rPr>
               <a:t>.</a:t>
@@ -8730,30 +8642,30 @@
               <a:defRPr/>
             </a:pPr>
             <a:r>
-              <a:rPr lang="en-US" altLang="ko-KR" sz="1800" spc="-150" dirty="0">
+              <a:rPr lang="en-US" altLang="ko-KR" sz="1900" spc="-150" dirty="0">
                 <a:latin typeface="+mn-ea"/>
               </a:rPr>
               <a:t>7.</a:t>
             </a:r>
             <a:r>
-              <a:rPr lang="ko-KR" altLang="en-US" sz="1800" spc="-150" dirty="0">
+              <a:rPr lang="ko-KR" altLang="en-US" sz="1900" spc="-150" dirty="0">
                 <a:latin typeface="+mn-ea"/>
               </a:rPr>
               <a:t> 적응형 이진화 된 이미지를 </a:t>
             </a:r>
             <a:r>
-              <a:rPr lang="en-US" altLang="ko-KR" sz="1800" spc="-150" dirty="0">
+              <a:rPr lang="en-US" altLang="ko-KR" sz="1900" spc="-150" dirty="0">
                 <a:latin typeface="+mn-ea"/>
               </a:rPr>
               <a:t>6</a:t>
             </a:r>
             <a:r>
-              <a:rPr lang="ko-KR" altLang="en-US" sz="1800" spc="-150" dirty="0">
+              <a:rPr lang="ko-KR" altLang="en-US" sz="1900" spc="-150" dirty="0">
                 <a:latin typeface="+mn-ea"/>
               </a:rPr>
               <a:t>번에서 구한 좌표로 자르고</a:t>
             </a:r>
-            <a:endParaRPr lang="en-US" altLang="ko-KR" sz="1800" spc="-150" dirty="0">
+            <a:endParaRPr lang="en-US" altLang="ko-KR" sz="1900" spc="-150" dirty="0">
               <a:latin typeface="+mn-ea"/>
             </a:endParaRPr>
           </a:p>
@@ -8765,43 +8677,43 @@
               <a:defRPr/>
             </a:pPr>
             <a:r>
-              <a:rPr lang="en-US" altLang="ko-KR" sz="1800" spc="-150" dirty="0">
+              <a:rPr lang="en-US" altLang="ko-KR" sz="1900" spc="-150" dirty="0">
                 <a:latin typeface="+mn-ea"/>
               </a:rPr>
               <a:t>32 x 32 </a:t>
             </a:r>
             <a:r>
-              <a:rPr lang="ko-KR" altLang="en-US" sz="1800" spc="-150" dirty="0">
+              <a:rPr lang="ko-KR" altLang="en-US" sz="1900" spc="-150" dirty="0">
                 <a:latin typeface="+mn-ea"/>
               </a:rPr>
               <a:t>사이즈로 </a:t>
             </a:r>
             <a:r>
-              <a:rPr lang="en-US" altLang="ko-KR" sz="1800" spc="-150" dirty="0">
+              <a:rPr lang="en-US" altLang="ko-KR" sz="1900" spc="-150" dirty="0">
                 <a:latin typeface="+mn-ea"/>
               </a:rPr>
               <a:t>Resize</a:t>
             </a:r>
             <a:r>
-              <a:rPr lang="ko-KR" altLang="en-US" sz="1800" spc="-150" dirty="0">
+              <a:rPr lang="ko-KR" altLang="en-US" sz="1900" spc="-150" dirty="0">
                 <a:latin typeface="+mn-ea"/>
               </a:rPr>
               <a:t> 후 </a:t>
             </a:r>
             <a:r>
-              <a:rPr lang="en-US" altLang="ko-KR" sz="1800" spc="-150" dirty="0">
+              <a:rPr lang="en-US" altLang="ko-KR" sz="1900" spc="-150" dirty="0">
                 <a:latin typeface="+mn-ea"/>
               </a:rPr>
               <a:t>Return </a:t>
             </a:r>
             <a:r>
-              <a:rPr lang="ko-KR" altLang="en-US" sz="1800" spc="-150" dirty="0">
+              <a:rPr lang="ko-KR" altLang="en-US" sz="1900" spc="-150" dirty="0">
                 <a:latin typeface="+mn-ea"/>
               </a:rPr>
               <a:t>한다</a:t>
             </a:r>
             <a:r>
-              <a:rPr lang="en-US" altLang="ko-KR" sz="1800" spc="-150" dirty="0">
+              <a:rPr lang="en-US" altLang="ko-KR" sz="1900" spc="-150" dirty="0">
                 <a:latin typeface="+mn-ea"/>
               </a:rPr>
               <a:t>.</a:t>
